--- a/demo_presentation/A Survey of Internal Web Servers in TCD.pptx
+++ b/demo_presentation/A Survey of Internal Web Servers in TCD.pptx
@@ -281,6 +281,11 @@
       </a:defRPr>
     </a:lvl9pPr>
   </p:defaultTextStyle>
+  <p:extLst>
+    <p:ext uri="{EFAFB233-063F-42B5-8137-9DF3F51BA10A}">
+      <p15:sldGuideLst xmlns:p15="http://schemas.microsoft.com/office/powerpoint/2012/main"/>
+    </p:ext>
+  </p:extLst>
 </p:presentation>
 </file>
 
@@ -1023,115 +1028,7 @@
               </a:spcAft>
               <a:buNone/>
             </a:pPr>
-            <a:r>
-              <a:rPr lang="en-GB"/>
-              <a:t>Explain how it works &amp; some facts </a:t>
-            </a:r>
-            <a:endParaRPr/>
-          </a:p>
-          <a:p>
-            <a:pPr marL="0" lvl="0" indent="0">
-              <a:spcBef>
-                <a:spcPts val="0"/>
-              </a:spcBef>
-              <a:spcAft>
-                <a:spcPts val="0"/>
-              </a:spcAft>
-              <a:buNone/>
-            </a:pPr>
-            <a:r>
-              <a:rPr lang="en-GB"/>
-              <a:t>Banner grabbing is a technique used to gain information about a computer system on a network. </a:t>
-            </a:r>
-            <a:endParaRPr/>
-          </a:p>
-          <a:p>
-            <a:pPr marL="0" lvl="0" indent="0">
-              <a:spcBef>
-                <a:spcPts val="0"/>
-              </a:spcBef>
-              <a:spcAft>
-                <a:spcPts val="0"/>
-              </a:spcAft>
-              <a:buNone/>
-            </a:pPr>
-            <a:r>
-              <a:rPr lang="en-GB"/>
-              <a:t>Administrators can use this to take inventory of the systems and services on their network. However, an intruder can use banner grabbing in order to find network hosts that are running versions of applications and operating systems with known exploits.</a:t>
-            </a:r>
-            <a:endParaRPr/>
-          </a:p>
-          <a:p>
-            <a:pPr marL="0" lvl="0" indent="0">
-              <a:spcBef>
-                <a:spcPts val="0"/>
-              </a:spcBef>
-              <a:spcAft>
-                <a:spcPts val="0"/>
-              </a:spcAft>
-              <a:buNone/>
-            </a:pPr>
-            <a:endParaRPr/>
-          </a:p>
-          <a:p>
-            <a:pPr marL="0" lvl="0" indent="0">
-              <a:spcBef>
-                <a:spcPts val="0"/>
-              </a:spcBef>
-              <a:spcAft>
-                <a:spcPts val="0"/>
-              </a:spcAft>
-              <a:buNone/>
-            </a:pPr>
-            <a:r>
-              <a:rPr lang="en-GB"/>
-              <a:t>ZGrab outputs a JSON description of the computer system information</a:t>
-            </a:r>
-            <a:endParaRPr/>
-          </a:p>
-          <a:p>
-            <a:pPr marL="0" lvl="0" indent="0">
-              <a:spcBef>
-                <a:spcPts val="0"/>
-              </a:spcBef>
-              <a:spcAft>
-                <a:spcPts val="0"/>
-              </a:spcAft>
-              <a:buNone/>
-            </a:pPr>
-            <a:endParaRPr/>
-          </a:p>
-          <a:p>
-            <a:pPr marL="0" lvl="0" indent="0">
-              <a:spcBef>
-                <a:spcPts val="0"/>
-              </a:spcBef>
-              <a:spcAft>
-                <a:spcPts val="0"/>
-              </a:spcAft>
-              <a:buNone/>
-            </a:pPr>
-            <a:r>
-              <a:rPr lang="en-GB"/>
-              <a:t>When performing a TLS handshake, ZGrab offers the cipher suites imple-</a:t>
-            </a:r>
-            <a:endParaRPr/>
-          </a:p>
-          <a:p>
-            <a:pPr marL="0" lvl="0" indent="0">
-              <a:spcBef>
-                <a:spcPts val="0"/>
-              </a:spcBef>
-              <a:spcAft>
-                <a:spcPts val="0"/>
-              </a:spcAft>
-              <a:buNone/>
-            </a:pPr>
-            <a:r>
-              <a:rPr lang="en-GB"/>
-              <a:t>mented by the Golang TLS library and logs the chosen cipher suite</a:t>
-            </a:r>
-            <a:endParaRPr/>
+            <a:endParaRPr dirty="0"/>
           </a:p>
         </p:txBody>
       </p:sp>
@@ -18405,10 +18302,10 @@
               <a:buNone/>
             </a:pPr>
             <a:r>
-              <a:rPr lang="en-GB" sz="1800"/>
-              <a:t>Trial Runs with Stephan’s Machine</a:t>
+              <a:rPr lang="en-GB" sz="1800" dirty="0"/>
+              <a:t>Trial Runs with Stephen’s Machine</a:t>
             </a:r>
-            <a:endParaRPr sz="1800"/>
+            <a:endParaRPr sz="1800" dirty="0"/>
           </a:p>
           <a:p>
             <a:pPr marL="0" lvl="0" indent="0">
@@ -18421,10 +18318,10 @@
               <a:buNone/>
             </a:pPr>
             <a:r>
-              <a:rPr lang="en-GB" sz="1800"/>
+              <a:rPr lang="en-GB" sz="1800" dirty="0"/>
               <a:t>Python Script to extract the most useful fields </a:t>
             </a:r>
-            <a:endParaRPr sz="1800"/>
+            <a:endParaRPr sz="1800" dirty="0"/>
           </a:p>
           <a:p>
             <a:pPr marL="0" lvl="0" indent="0" rtl="0">
@@ -18437,10 +18334,26 @@
               <a:buNone/>
             </a:pPr>
             <a:r>
-              <a:rPr lang="en-GB" sz="1800"/>
-              <a:t>Packaged ZGab within scripts for cron job </a:t>
+              <a:rPr lang="en-GB" sz="1800" dirty="0"/>
+              <a:t>Packaged </a:t>
             </a:r>
-            <a:endParaRPr sz="1800"/>
+            <a:r>
+              <a:rPr lang="en-GB" sz="1800" dirty="0" err="1"/>
+              <a:t>ZGab</a:t>
+            </a:r>
+            <a:r>
+              <a:rPr lang="en-GB" sz="1800" dirty="0"/>
+              <a:t> within scripts for </a:t>
+            </a:r>
+            <a:r>
+              <a:rPr lang="en-GB" sz="1800" dirty="0" err="1"/>
+              <a:t>cron</a:t>
+            </a:r>
+            <a:r>
+              <a:rPr lang="en-GB" sz="1800" dirty="0"/>
+              <a:t> job </a:t>
+            </a:r>
+            <a:endParaRPr sz="1800" dirty="0"/>
           </a:p>
           <a:p>
             <a:pPr marL="0" lvl="0" indent="0" rtl="0">
@@ -18453,10 +18366,10 @@
               <a:buNone/>
             </a:pPr>
             <a:r>
-              <a:rPr lang="en-GB" sz="1800"/>
+              <a:rPr lang="en-GB" sz="1800" dirty="0"/>
               <a:t>Output results to csv file </a:t>
             </a:r>
-            <a:endParaRPr sz="1800"/>
+            <a:endParaRPr sz="1800" dirty="0"/>
           </a:p>
           <a:p>
             <a:pPr marL="0" lvl="0" indent="0" rtl="0">
@@ -18469,10 +18382,10 @@
               <a:buNone/>
             </a:pPr>
             <a:r>
-              <a:rPr lang="en-GB" sz="1800"/>
+              <a:rPr lang="en-GB" sz="1800" dirty="0"/>
               <a:t>Further scripts for Analysis </a:t>
             </a:r>
-            <a:endParaRPr sz="1800"/>
+            <a:endParaRPr sz="1800" dirty="0"/>
           </a:p>
         </p:txBody>
       </p:sp>
